--- a/week6/calculus.pptx
+++ b/week6/calculus.pptx
@@ -223,7 +223,7 @@
           <a:p>
             <a:fld id="{DC1489BD-80D8-044E-B489-6491FE1C3B4A}" type="datetimeFigureOut">
               <a:rPr lang="en-US" smtClean="0"/>
-              <a:t>8/29/18</a:t>
+              <a:t>8/31/18</a:t>
             </a:fld>
             <a:endParaRPr lang="en-US"/>
           </a:p>
@@ -876,33 +876,6 @@
           <a:bodyPr/>
           <a:lstStyle/>
           <a:p>
-            <a:r>
-              <a:rPr lang="en-US" dirty="0"/>
-              <a:t>Two problems here – </a:t>
-            </a:r>
-          </a:p>
-          <a:p>
-            <a:pPr marL="228600" indent="-228600">
-              <a:buAutoNum type="arabicPeriod"/>
-            </a:pPr>
-            <a:r>
-              <a:rPr lang="en-US" dirty="0"/>
-              <a:t>Output size is reduced. </a:t>
-            </a:r>
-          </a:p>
-          <a:p>
-            <a:pPr marL="228600" indent="-228600">
-              <a:buAutoNum type="arabicPeriod"/>
-            </a:pPr>
-            <a:r>
-              <a:rPr lang="en-US" dirty="0"/>
-              <a:t>Corner pixels are only touched once. Information loss</a:t>
-            </a:r>
-          </a:p>
-          <a:p>
-            <a:endParaRPr lang="en-US" dirty="0"/>
-          </a:p>
-          <a:p>
             <a:endParaRPr lang="en-US" dirty="0"/>
           </a:p>
         </p:txBody>
@@ -1787,13 +1760,8 @@
           <a:p>
             <a:r>
               <a:rPr lang="en-US" dirty="0"/>
-              <a:t>In order to find the rate of change here let us think about ds – It is an indefinitely small bit of s. same is the case du. To understand this think of how much minutes are there in a week – 10080. 1 min. is extremely small compared to total min. in a week. If you think of 1 min. to be small compared to week then think of 1 sec. in a week. In a </a:t>
-            </a:r>
-            <a:r>
-              <a:rPr lang="en-US" dirty="0" err="1"/>
-              <a:t>calc</a:t>
-            </a:r>
-            <a:endParaRPr lang="en-US" dirty="0"/>
+              <a:t>In order to find the rate of change here let us think about ds – It is an indefinitely small bit of s. same is the case du. To understand this think of how much minutes are there in a week – 10080. 1 min. is extremely small compared to total min. in a week. If you think of 1 min. to be small compared to week then think of 1 sec. in a week. </a:t>
+            </a:r>
           </a:p>
         </p:txBody>
       </p:sp>
@@ -2067,7 +2035,7 @@
           <a:p>
             <a:fld id="{DEFBAF91-23A8-144B-A1B7-82C79B923880}" type="datetimeFigureOut">
               <a:rPr lang="en-US" smtClean="0"/>
-              <a:t>8/29/18</a:t>
+              <a:t>8/31/18</a:t>
             </a:fld>
             <a:endParaRPr lang="en-US"/>
           </a:p>
@@ -2265,7 +2233,7 @@
           <a:p>
             <a:fld id="{DEFBAF91-23A8-144B-A1B7-82C79B923880}" type="datetimeFigureOut">
               <a:rPr lang="en-US" smtClean="0"/>
-              <a:t>8/29/18</a:t>
+              <a:t>8/31/18</a:t>
             </a:fld>
             <a:endParaRPr lang="en-US"/>
           </a:p>
@@ -2473,7 +2441,7 @@
           <a:p>
             <a:fld id="{DEFBAF91-23A8-144B-A1B7-82C79B923880}" type="datetimeFigureOut">
               <a:rPr lang="en-US" smtClean="0"/>
-              <a:t>8/29/18</a:t>
+              <a:t>8/31/18</a:t>
             </a:fld>
             <a:endParaRPr lang="en-US"/>
           </a:p>
@@ -2671,7 +2639,7 @@
           <a:p>
             <a:fld id="{DEFBAF91-23A8-144B-A1B7-82C79B923880}" type="datetimeFigureOut">
               <a:rPr lang="en-US" smtClean="0"/>
-              <a:t>8/29/18</a:t>
+              <a:t>8/31/18</a:t>
             </a:fld>
             <a:endParaRPr lang="en-US"/>
           </a:p>
@@ -2946,7 +2914,7 @@
           <a:p>
             <a:fld id="{DEFBAF91-23A8-144B-A1B7-82C79B923880}" type="datetimeFigureOut">
               <a:rPr lang="en-US" smtClean="0"/>
-              <a:t>8/29/18</a:t>
+              <a:t>8/31/18</a:t>
             </a:fld>
             <a:endParaRPr lang="en-US"/>
           </a:p>
@@ -3211,7 +3179,7 @@
           <a:p>
             <a:fld id="{DEFBAF91-23A8-144B-A1B7-82C79B923880}" type="datetimeFigureOut">
               <a:rPr lang="en-US" smtClean="0"/>
-              <a:t>8/29/18</a:t>
+              <a:t>8/31/18</a:t>
             </a:fld>
             <a:endParaRPr lang="en-US"/>
           </a:p>
@@ -3623,7 +3591,7 @@
           <a:p>
             <a:fld id="{DEFBAF91-23A8-144B-A1B7-82C79B923880}" type="datetimeFigureOut">
               <a:rPr lang="en-US" smtClean="0"/>
-              <a:t>8/29/18</a:t>
+              <a:t>8/31/18</a:t>
             </a:fld>
             <a:endParaRPr lang="en-US"/>
           </a:p>
@@ -3764,7 +3732,7 @@
           <a:p>
             <a:fld id="{DEFBAF91-23A8-144B-A1B7-82C79B923880}" type="datetimeFigureOut">
               <a:rPr lang="en-US" smtClean="0"/>
-              <a:t>8/29/18</a:t>
+              <a:t>8/31/18</a:t>
             </a:fld>
             <a:endParaRPr lang="en-US"/>
           </a:p>
@@ -3877,7 +3845,7 @@
           <a:p>
             <a:fld id="{DEFBAF91-23A8-144B-A1B7-82C79B923880}" type="datetimeFigureOut">
               <a:rPr lang="en-US" smtClean="0"/>
-              <a:t>8/29/18</a:t>
+              <a:t>8/31/18</a:t>
             </a:fld>
             <a:endParaRPr lang="en-US"/>
           </a:p>
@@ -4188,7 +4156,7 @@
           <a:p>
             <a:fld id="{DEFBAF91-23A8-144B-A1B7-82C79B923880}" type="datetimeFigureOut">
               <a:rPr lang="en-US" smtClean="0"/>
-              <a:t>8/29/18</a:t>
+              <a:t>8/31/18</a:t>
             </a:fld>
             <a:endParaRPr lang="en-US"/>
           </a:p>
@@ -4476,7 +4444,7 @@
           <a:p>
             <a:fld id="{DEFBAF91-23A8-144B-A1B7-82C79B923880}" type="datetimeFigureOut">
               <a:rPr lang="en-US" smtClean="0"/>
-              <a:t>8/29/18</a:t>
+              <a:t>8/31/18</a:t>
             </a:fld>
             <a:endParaRPr lang="en-US"/>
           </a:p>
@@ -4717,7 +4685,7 @@
           <a:p>
             <a:fld id="{DEFBAF91-23A8-144B-A1B7-82C79B923880}" type="datetimeFigureOut">
               <a:rPr lang="en-US" smtClean="0"/>
-              <a:t>8/29/18</a:t>
+              <a:t>8/31/18</a:t>
             </a:fld>
             <a:endParaRPr lang="en-US"/>
           </a:p>
@@ -9693,7 +9661,7 @@
           <p:nvPr>
             <p:extLst>
               <p:ext uri="{D42A27DB-BD31-4B8C-83A1-F6EECF244321}">
-                <p14:modId xmlns:p14="http://schemas.microsoft.com/office/powerpoint/2010/main" val="1230550162"/>
+                <p14:modId xmlns:p14="http://schemas.microsoft.com/office/powerpoint/2010/main" val="2803608008"/>
               </p:ext>
             </p:extLst>
           </p:nvPr>
@@ -9844,7 +9812,7 @@
                     <a:p>
                       <a:r>
                         <a:rPr lang="en-US" dirty="0"/>
-                        <a:t>45</a:t>
+                        <a:t>40</a:t>
                       </a:r>
                     </a:p>
                   </a:txBody>
@@ -9877,7 +9845,7 @@
                     <a:p>
                       <a:r>
                         <a:rPr lang="en-US" dirty="0"/>
-                        <a:t>50</a:t>
+                        <a:t>45</a:t>
                       </a:r>
                     </a:p>
                   </a:txBody>
@@ -9910,7 +9878,7 @@
                     <a:p>
                       <a:r>
                         <a:rPr lang="en-US" dirty="0"/>
-                        <a:t>55</a:t>
+                        <a:t>50</a:t>
                       </a:r>
                     </a:p>
                   </a:txBody>
@@ -10156,7 +10124,7 @@
         <p:spPr>
           <a:xfrm>
             <a:off x="2047301" y="2151052"/>
-            <a:ext cx="2858475" cy="400110"/>
+            <a:ext cx="2715808" cy="400110"/>
           </a:xfrm>
           <a:prstGeom prst="rect">
             <a:avLst/>
@@ -10186,7 +10154,7 @@
               <a:rPr lang="en-US" sz="2000" dirty="0">
                 <a:latin typeface="Sapient Centro Slab" panose="02000503050000020004" pitchFamily="2" charset="0"/>
               </a:rPr>
-              <a:t>s =30 + 10t</a:t>
+              <a:t>s =30 + 5t</a:t>
             </a:r>
           </a:p>
         </p:txBody>
@@ -10235,7 +10203,7 @@
               <a:rPr lang="en-US" sz="2400" dirty="0">
                 <a:latin typeface="Sapient Centro Slab" panose="02000503050000020004" pitchFamily="2" charset="0"/>
               </a:rPr>
-              <a:t> = 10</a:t>
+              <a:t> = 5</a:t>
             </a:r>
           </a:p>
         </p:txBody>
@@ -10309,8 +10277,13 @@
           <a:p>
             <a:r>
               <a:rPr lang="en-US" dirty="0"/>
-              <a:t>Rate of change of speed with respect to time is 10</a:t>
-            </a:r>
+              <a:t>Rate of change of speed with respect to time </a:t>
+            </a:r>
+            <a:r>
+              <a:rPr lang="en-US"/>
+              <a:t>is 5</a:t>
+            </a:r>
+            <a:endParaRPr lang="en-US" dirty="0"/>
           </a:p>
         </p:txBody>
       </p:sp>
